--- a/reports/song-classifier.pptx
+++ b/reports/song-classifier.pptx
@@ -10,10 +10,11 @@
     <p:sldId id="258" r:id="rId4"/>
     <p:sldId id="259" r:id="rId5"/>
     <p:sldId id="260" r:id="rId6"/>
-    <p:sldId id="261" r:id="rId7"/>
-    <p:sldId id="262" r:id="rId8"/>
-    <p:sldId id="263" r:id="rId9"/>
-    <p:sldId id="264" r:id="rId10"/>
+    <p:sldId id="265" r:id="rId7"/>
+    <p:sldId id="261" r:id="rId8"/>
+    <p:sldId id="262" r:id="rId9"/>
+    <p:sldId id="263" r:id="rId10"/>
+    <p:sldId id="264" r:id="rId11"/>
   </p:sldIdLst>
   <p:sldSz cx="12192000" cy="6858000"/>
   <p:notesSz cx="6858000" cy="9144000"/>
@@ -3423,6 +3424,110 @@
 </p:sld>
 </file>
 
+<file path=ppt/slides/slide10.xml><?xml version="1.0" encoding="utf-8"?>
+<p:sld xmlns:a="http://schemas.openxmlformats.org/drawingml/2006/main" xmlns:r="http://schemas.openxmlformats.org/officeDocument/2006/relationships" xmlns:p="http://schemas.openxmlformats.org/presentationml/2006/main">
+  <p:cSld>
+    <p:spTree>
+      <p:nvGrpSpPr>
+        <p:cNvPr id="1" name=""/>
+        <p:cNvGrpSpPr/>
+        <p:nvPr/>
+      </p:nvGrpSpPr>
+      <p:grpSpPr>
+        <a:xfrm>
+          <a:off x="0" y="0"/>
+          <a:ext cx="0" cy="0"/>
+          <a:chOff x="0" y="0"/>
+          <a:chExt cx="0" cy="0"/>
+        </a:xfrm>
+      </p:grpSpPr>
+      <p:sp>
+        <p:nvSpPr>
+          <p:cNvPr id="2" name="Title 1">
+            <a:extLst>
+              <a:ext uri="{FF2B5EF4-FFF2-40B4-BE49-F238E27FC236}">
+                <a16:creationId xmlns:a16="http://schemas.microsoft.com/office/drawing/2014/main" id="{139DD158-2F32-7643-A8A1-41A2EE4E15FD}"/>
+              </a:ext>
+            </a:extLst>
+          </p:cNvPr>
+          <p:cNvSpPr>
+            <a:spLocks noGrp="1"/>
+          </p:cNvSpPr>
+          <p:nvPr>
+            <p:ph type="title"/>
+          </p:nvPr>
+        </p:nvSpPr>
+        <p:spPr/>
+        <p:txBody>
+          <a:bodyPr/>
+          <a:lstStyle/>
+          <a:p>
+            <a:r>
+              <a:rPr lang="en-US" dirty="0"/>
+              <a:t>Future Improvements</a:t>
+            </a:r>
+          </a:p>
+        </p:txBody>
+      </p:sp>
+      <p:sp>
+        <p:nvSpPr>
+          <p:cNvPr id="3" name="Content Placeholder 2">
+            <a:extLst>
+              <a:ext uri="{FF2B5EF4-FFF2-40B4-BE49-F238E27FC236}">
+                <a16:creationId xmlns:a16="http://schemas.microsoft.com/office/drawing/2014/main" id="{FF117A69-CA3F-EC49-8DF3-0EBC87BB5F1A}"/>
+              </a:ext>
+            </a:extLst>
+          </p:cNvPr>
+          <p:cNvSpPr>
+            <a:spLocks noGrp="1"/>
+          </p:cNvSpPr>
+          <p:nvPr>
+            <p:ph idx="1"/>
+          </p:nvPr>
+        </p:nvSpPr>
+        <p:spPr/>
+        <p:txBody>
+          <a:bodyPr/>
+          <a:lstStyle/>
+          <a:p>
+            <a:r>
+              <a:rPr lang="en-US" dirty="0"/>
+              <a:t>More robust and streamlined approach for stripping the timbres</a:t>
+            </a:r>
+          </a:p>
+          <a:p>
+            <a:r>
+              <a:rPr lang="en-US" dirty="0"/>
+              <a:t>Exploration of other spectral data to incorporate</a:t>
+            </a:r>
+          </a:p>
+          <a:p>
+            <a:r>
+              <a:rPr lang="en-US" dirty="0"/>
+              <a:t>Interface to input audio files directly, instead of their features</a:t>
+            </a:r>
+          </a:p>
+          <a:p>
+            <a:r>
+              <a:rPr lang="en-US" dirty="0"/>
+              <a:t>Track the songs that the model was 'unsure' about</a:t>
+            </a:r>
+          </a:p>
+        </p:txBody>
+      </p:sp>
+    </p:spTree>
+    <p:extLst>
+      <p:ext uri="{BB962C8B-B14F-4D97-AF65-F5344CB8AC3E}">
+        <p14:creationId xmlns:p14="http://schemas.microsoft.com/office/powerpoint/2010/main" val="3303576012"/>
+      </p:ext>
+    </p:extLst>
+  </p:cSld>
+  <p:clrMapOvr>
+    <a:masterClrMapping/>
+  </p:clrMapOvr>
+</p:sld>
+</file>
+
 <file path=ppt/slides/slide2.xml><?xml version="1.0" encoding="utf-8"?>
 <p:sld xmlns:a="http://schemas.openxmlformats.org/drawingml/2006/main" xmlns:r="http://schemas.openxmlformats.org/officeDocument/2006/relationships" xmlns:p="http://schemas.openxmlformats.org/presentationml/2006/main">
   <p:cSld>
@@ -3857,7 +3962,7 @@
           <a:p>
             <a:r>
               <a:rPr lang="en-US" dirty="0"/>
-              <a:t>Dataset Deep Dive</a:t>
+              <a:t>Dataset Deep Dive: 1</a:t>
             </a:r>
           </a:p>
         </p:txBody>
@@ -3880,7 +3985,7 @@
         </p:nvSpPr>
         <p:spPr>
           <a:xfrm>
-            <a:off x="838200" y="1825624"/>
+            <a:off x="838200" y="1690688"/>
             <a:ext cx="10515600" cy="4824557"/>
           </a:xfrm>
         </p:spPr>
@@ -3892,12 +3997,6 @@
           <a:p>
             <a:r>
               <a:rPr lang="en-US" dirty="0"/>
-              <a:t>Remove ‘classic pop and rock’ from ‘genre’ column</a:t>
-            </a:r>
-          </a:p>
-          <a:p>
-            <a:r>
-              <a:rPr lang="en-US" dirty="0"/>
               <a:t>Drop ‘title’, ‘Unnamed: 0’</a:t>
             </a:r>
           </a:p>
@@ -3918,39 +4017,143 @@
           <a:p>
             <a:r>
               <a:rPr lang="en-US" dirty="0"/>
-              <a:t>A short description of the timbre data:</a:t>
-            </a:r>
-          </a:p>
-          <a:p>
-            <a:pPr lvl="1"/>
-            <a:r>
-              <a:rPr lang="en-US" dirty="0"/>
-              <a:t>Averages/variances for 12 channels</a:t>
-            </a:r>
-          </a:p>
-          <a:p>
-            <a:pPr lvl="1"/>
-            <a:r>
-              <a:rPr lang="en-US" dirty="0"/>
-              <a:t>Song is split into segments, then each segment is stripped to 12 frequency channels</a:t>
-            </a:r>
-          </a:p>
-          <a:p>
-            <a:pPr lvl="1"/>
-            <a:r>
-              <a:rPr lang="en-US" dirty="0"/>
-              <a:t>The average/variance for each channel is across all the segments</a:t>
-            </a:r>
-          </a:p>
-          <a:p>
-            <a:pPr lvl="1"/>
-            <a:r>
-              <a:rPr lang="en-US" dirty="0"/>
-              <a:t>The zero-order coefficient indicates the average power of the input signal, the first-order coefficient represents the distribution spectral energy between low and high frequencies, and so on</a:t>
-            </a:r>
-          </a:p>
-        </p:txBody>
-      </p:sp>
+              <a:t>Remove ‘classic pop and rock’ from ‘genre’ column</a:t>
+            </a:r>
+          </a:p>
+          <a:p>
+            <a:pPr marL="0" indent="0">
+              <a:buNone/>
+            </a:pPr>
+            <a:endParaRPr lang="en-US" dirty="0"/>
+          </a:p>
+          <a:p>
+            <a:pPr marL="0" indent="0">
+              <a:buNone/>
+            </a:pPr>
+            <a:endParaRPr lang="en-US" dirty="0"/>
+          </a:p>
+          <a:p>
+            <a:pPr marL="0" indent="0">
+              <a:buNone/>
+            </a:pPr>
+            <a:endParaRPr lang="en-US" dirty="0"/>
+          </a:p>
+          <a:p>
+            <a:pPr marL="0" indent="0">
+              <a:buNone/>
+            </a:pPr>
+            <a:endParaRPr lang="en-US" dirty="0"/>
+          </a:p>
+          <a:p>
+            <a:pPr marL="0" indent="0">
+              <a:buNone/>
+            </a:pPr>
+            <a:endParaRPr lang="en-US" dirty="0"/>
+          </a:p>
+          <a:p>
+            <a:pPr marL="0" indent="0">
+              <a:buNone/>
+            </a:pPr>
+            <a:endParaRPr lang="en-US" dirty="0"/>
+          </a:p>
+          <a:p>
+            <a:pPr marL="0" indent="0">
+              <a:buNone/>
+            </a:pPr>
+            <a:endParaRPr lang="en-US" dirty="0"/>
+          </a:p>
+        </p:txBody>
+      </p:sp>
+      <p:pic>
+        <p:nvPicPr>
+          <p:cNvPr id="9" name="Picture 8">
+            <a:extLst>
+              <a:ext uri="{FF2B5EF4-FFF2-40B4-BE49-F238E27FC236}">
+                <a16:creationId xmlns:a16="http://schemas.microsoft.com/office/drawing/2014/main" id="{16747E35-3C55-9844-A008-8AE069A40362}"/>
+              </a:ext>
+            </a:extLst>
+          </p:cNvPr>
+          <p:cNvPicPr>
+            <a:picLocks noChangeAspect="1"/>
+          </p:cNvPicPr>
+          <p:nvPr/>
+        </p:nvPicPr>
+        <p:blipFill>
+          <a:blip r:embed="rId2"/>
+          <a:stretch>
+            <a:fillRect/>
+          </a:stretch>
+        </p:blipFill>
+        <p:spPr>
+          <a:xfrm>
+            <a:off x="96571" y="3374899"/>
+            <a:ext cx="5449207" cy="3149438"/>
+          </a:xfrm>
+          <a:prstGeom prst="rect">
+            <a:avLst/>
+          </a:prstGeom>
+        </p:spPr>
+      </p:pic>
+      <p:pic>
+        <p:nvPicPr>
+          <p:cNvPr id="11" name="Picture 10" descr="A screenshot of a cell phone&#10;&#10;Description automatically generated">
+            <a:extLst>
+              <a:ext uri="{FF2B5EF4-FFF2-40B4-BE49-F238E27FC236}">
+                <a16:creationId xmlns:a16="http://schemas.microsoft.com/office/drawing/2014/main" id="{FA795A82-909C-DA45-A7DF-FD28CA3CA0DE}"/>
+              </a:ext>
+            </a:extLst>
+          </p:cNvPr>
+          <p:cNvPicPr>
+            <a:picLocks noChangeAspect="1"/>
+          </p:cNvPicPr>
+          <p:nvPr/>
+        </p:nvPicPr>
+        <p:blipFill>
+          <a:blip r:embed="rId3"/>
+          <a:stretch>
+            <a:fillRect/>
+          </a:stretch>
+        </p:blipFill>
+        <p:spPr>
+          <a:xfrm>
+            <a:off x="8588772" y="3849912"/>
+            <a:ext cx="2840538" cy="2227711"/>
+          </a:xfrm>
+          <a:prstGeom prst="rect">
+            <a:avLst/>
+          </a:prstGeom>
+        </p:spPr>
+      </p:pic>
+      <p:pic>
+        <p:nvPicPr>
+          <p:cNvPr id="13" name="Picture 12" descr="A screenshot of a cell phone&#10;&#10;Description automatically generated">
+            <a:extLst>
+              <a:ext uri="{FF2B5EF4-FFF2-40B4-BE49-F238E27FC236}">
+                <a16:creationId xmlns:a16="http://schemas.microsoft.com/office/drawing/2014/main" id="{A3935149-BF62-F346-B8A7-6E7ABA021397}"/>
+              </a:ext>
+            </a:extLst>
+          </p:cNvPr>
+          <p:cNvPicPr>
+            <a:picLocks noChangeAspect="1"/>
+          </p:cNvPicPr>
+          <p:nvPr/>
+        </p:nvPicPr>
+        <p:blipFill>
+          <a:blip r:embed="rId4"/>
+          <a:stretch>
+            <a:fillRect/>
+          </a:stretch>
+        </p:blipFill>
+        <p:spPr>
+          <a:xfrm>
+            <a:off x="5572662" y="3849912"/>
+            <a:ext cx="2687774" cy="1980874"/>
+          </a:xfrm>
+          <a:prstGeom prst="rect">
+            <a:avLst/>
+          </a:prstGeom>
+        </p:spPr>
+      </p:pic>
     </p:spTree>
     <p:extLst>
       <p:ext uri="{BB962C8B-B14F-4D97-AF65-F5344CB8AC3E}">
@@ -3986,7 +4189,7 @@
           <p:cNvPr id="2" name="Title 1">
             <a:extLst>
               <a:ext uri="{FF2B5EF4-FFF2-40B4-BE49-F238E27FC236}">
-                <a16:creationId xmlns:a16="http://schemas.microsoft.com/office/drawing/2014/main" id="{FFA089FF-6072-C142-808C-ED436AB14523}"/>
+                <a16:creationId xmlns:a16="http://schemas.microsoft.com/office/drawing/2014/main" id="{370C14D3-FC93-FD40-8154-66D425C7C831}"/>
               </a:ext>
             </a:extLst>
           </p:cNvPr>
@@ -4004,7 +4207,7 @@
           <a:p>
             <a:r>
               <a:rPr lang="en-US" dirty="0"/>
-              <a:t>Baseline Model</a:t>
+              <a:t>Dataset Deep Dive: 2</a:t>
             </a:r>
           </a:p>
         </p:txBody>
@@ -4014,7 +4217,7 @@
           <p:cNvPr id="3" name="Content Placeholder 2">
             <a:extLst>
               <a:ext uri="{FF2B5EF4-FFF2-40B4-BE49-F238E27FC236}">
-                <a16:creationId xmlns:a16="http://schemas.microsoft.com/office/drawing/2014/main" id="{600594FD-F0F7-8B41-984B-D4C0F1DAB3CE}"/>
+                <a16:creationId xmlns:a16="http://schemas.microsoft.com/office/drawing/2014/main" id="{5034DFD9-0818-284D-B00C-44BEC7FD2205}"/>
               </a:ext>
             </a:extLst>
           </p:cNvPr>
@@ -4025,22 +4228,87 @@
             <p:ph idx="1"/>
           </p:nvPr>
         </p:nvSpPr>
-        <p:spPr/>
-        <p:txBody>
-          <a:bodyPr/>
-          <a:lstStyle/>
-          <a:p>
-            <a:r>
-              <a:rPr lang="en-US" dirty="0"/>
-              <a:t>Random Forest Classifier</a:t>
-            </a:r>
-          </a:p>
-        </p:txBody>
-      </p:sp>
+        <p:spPr>
+          <a:xfrm>
+            <a:off x="838200" y="1825624"/>
+            <a:ext cx="7427026" cy="4824557"/>
+          </a:xfrm>
+        </p:spPr>
+        <p:txBody>
+          <a:bodyPr>
+            <a:normAutofit/>
+          </a:bodyPr>
+          <a:lstStyle/>
+          <a:p>
+            <a:r>
+              <a:rPr lang="en-US" dirty="0"/>
+              <a:t>A short description of the timbre data:</a:t>
+            </a:r>
+          </a:p>
+          <a:p>
+            <a:pPr lvl="1"/>
+            <a:r>
+              <a:rPr lang="en-US" dirty="0"/>
+              <a:t>Averages/variances for 12 channels</a:t>
+            </a:r>
+          </a:p>
+          <a:p>
+            <a:pPr lvl="1"/>
+            <a:r>
+              <a:rPr lang="en-US" dirty="0"/>
+              <a:t>Song is split into segments, then each segment is stripped to 12 frequency channels (MFCC algorithm)</a:t>
+            </a:r>
+          </a:p>
+          <a:p>
+            <a:pPr lvl="1"/>
+            <a:r>
+              <a:rPr lang="en-US" dirty="0"/>
+              <a:t>The average/variance for each channel is across all the segments</a:t>
+            </a:r>
+          </a:p>
+          <a:p>
+            <a:pPr lvl="1"/>
+            <a:r>
+              <a:rPr lang="en-US" dirty="0"/>
+              <a:t>The zero-order coefficient indicates the average power of the input signal, the first-order coefficient represents the distribution spectral energy between low and high frequencies, and so on</a:t>
+            </a:r>
+          </a:p>
+        </p:txBody>
+      </p:sp>
+      <p:pic>
+        <p:nvPicPr>
+          <p:cNvPr id="5" name="Picture 4">
+            <a:extLst>
+              <a:ext uri="{FF2B5EF4-FFF2-40B4-BE49-F238E27FC236}">
+                <a16:creationId xmlns:a16="http://schemas.microsoft.com/office/drawing/2014/main" id="{341E8B62-4969-E644-8B6A-18F7158F904B}"/>
+              </a:ext>
+            </a:extLst>
+          </p:cNvPr>
+          <p:cNvPicPr>
+            <a:picLocks noChangeAspect="1"/>
+          </p:cNvPicPr>
+          <p:nvPr/>
+        </p:nvPicPr>
+        <p:blipFill>
+          <a:blip r:embed="rId2"/>
+          <a:stretch>
+            <a:fillRect/>
+          </a:stretch>
+        </p:blipFill>
+        <p:spPr>
+          <a:xfrm>
+            <a:off x="8265226" y="1233488"/>
+            <a:ext cx="3904083" cy="5259387"/>
+          </a:xfrm>
+          <a:prstGeom prst="rect">
+            <a:avLst/>
+          </a:prstGeom>
+        </p:spPr>
+      </p:pic>
     </p:spTree>
     <p:extLst>
       <p:ext uri="{BB962C8B-B14F-4D97-AF65-F5344CB8AC3E}">
-        <p14:creationId xmlns:p14="http://schemas.microsoft.com/office/powerpoint/2010/main" val="3209050736"/>
+        <p14:creationId xmlns:p14="http://schemas.microsoft.com/office/powerpoint/2010/main" val="2649076568"/>
       </p:ext>
     </p:extLst>
   </p:cSld>
@@ -4072,7 +4340,7 @@
           <p:cNvPr id="2" name="Title 1">
             <a:extLst>
               <a:ext uri="{FF2B5EF4-FFF2-40B4-BE49-F238E27FC236}">
-                <a16:creationId xmlns:a16="http://schemas.microsoft.com/office/drawing/2014/main" id="{9974BDE0-77E0-054B-B591-D9F37FC12A05}"/>
+                <a16:creationId xmlns:a16="http://schemas.microsoft.com/office/drawing/2014/main" id="{FFA089FF-6072-C142-808C-ED436AB14523}"/>
               </a:ext>
             </a:extLst>
           </p:cNvPr>
@@ -4090,8 +4358,13 @@
           <a:p>
             <a:r>
               <a:rPr lang="en-US" dirty="0"/>
-              <a:t>Model Improvements</a:t>
-            </a:r>
+              <a:t>Baseline Model </a:t>
+            </a:r>
+            <a:r>
+              <a:rPr lang="en-US" sz="2400" dirty="0"/>
+              <a:t>Random Forest Classifier</a:t>
+            </a:r>
+            <a:endParaRPr lang="en-US" dirty="0"/>
           </a:p>
         </p:txBody>
       </p:sp>
@@ -4100,7 +4373,7 @@
           <p:cNvPr id="3" name="Content Placeholder 2">
             <a:extLst>
               <a:ext uri="{FF2B5EF4-FFF2-40B4-BE49-F238E27FC236}">
-                <a16:creationId xmlns:a16="http://schemas.microsoft.com/office/drawing/2014/main" id="{B96922F2-F2C3-0D4E-B089-6E2C47CA47FA}"/>
+                <a16:creationId xmlns:a16="http://schemas.microsoft.com/office/drawing/2014/main" id="{600594FD-F0F7-8B41-984B-D4C0F1DAB3CE}"/>
               </a:ext>
             </a:extLst>
           </p:cNvPr>
@@ -4116,49 +4389,17 @@
           <a:bodyPr/>
           <a:lstStyle/>
           <a:p>
-            <a:r>
-              <a:rPr lang="en-US" dirty="0"/>
-              <a:t>One Hot Encoding ‘</a:t>
-            </a:r>
-            <a:r>
-              <a:rPr lang="en-US" dirty="0" err="1"/>
-              <a:t>artist_name</a:t>
-            </a:r>
-            <a:r>
-              <a:rPr lang="en-US" dirty="0"/>
-              <a:t>’ (~3.5K columns)</a:t>
-            </a:r>
-          </a:p>
-          <a:p>
-            <a:r>
-              <a:rPr lang="en-US" dirty="0"/>
-              <a:t>SMOTE</a:t>
-            </a:r>
-          </a:p>
-          <a:p>
-            <a:r>
-              <a:rPr lang="en-US" dirty="0"/>
-              <a:t>Hyperparameter tuning for RFC</a:t>
-            </a:r>
-          </a:p>
-          <a:p>
-            <a:r>
-              <a:rPr lang="en-US" dirty="0"/>
-              <a:t>Pipeline/pickling</a:t>
-            </a:r>
-          </a:p>
-          <a:p>
-            <a:r>
-              <a:rPr lang="en-US" dirty="0"/>
-              <a:t>Revised train/test split for live demo model</a:t>
-            </a:r>
+            <a:pPr marL="0" indent="0">
+              <a:buNone/>
+            </a:pPr>
+            <a:endParaRPr lang="en-US" dirty="0"/>
           </a:p>
         </p:txBody>
       </p:sp>
     </p:spTree>
     <p:extLst>
       <p:ext uri="{BB962C8B-B14F-4D97-AF65-F5344CB8AC3E}">
-        <p14:creationId xmlns:p14="http://schemas.microsoft.com/office/powerpoint/2010/main" val="3097199825"/>
+        <p14:creationId xmlns:p14="http://schemas.microsoft.com/office/powerpoint/2010/main" val="3209050736"/>
       </p:ext>
     </p:extLst>
   </p:cSld>
@@ -4190,7 +4431,7 @@
           <p:cNvPr id="2" name="Title 1">
             <a:extLst>
               <a:ext uri="{FF2B5EF4-FFF2-40B4-BE49-F238E27FC236}">
-                <a16:creationId xmlns:a16="http://schemas.microsoft.com/office/drawing/2014/main" id="{DBC24F95-9BB6-4545-B523-638FD2F0778B}"/>
+                <a16:creationId xmlns:a16="http://schemas.microsoft.com/office/drawing/2014/main" id="{9974BDE0-77E0-054B-B591-D9F37FC12A05}"/>
               </a:ext>
             </a:extLst>
           </p:cNvPr>
@@ -4208,8 +4449,13 @@
           <a:p>
             <a:r>
               <a:rPr lang="en-US" dirty="0"/>
-              <a:t>Live Demo!</a:t>
-            </a:r>
+              <a:t>Model Improvements </a:t>
+            </a:r>
+            <a:r>
+              <a:rPr lang="en-US" sz="2400" dirty="0"/>
+              <a:t>Piped and Pickled</a:t>
+            </a:r>
+            <a:endParaRPr lang="en-US" dirty="0"/>
           </a:p>
         </p:txBody>
       </p:sp>
@@ -4218,7 +4464,7 @@
           <p:cNvPr id="3" name="Content Placeholder 2">
             <a:extLst>
               <a:ext uri="{FF2B5EF4-FFF2-40B4-BE49-F238E27FC236}">
-                <a16:creationId xmlns:a16="http://schemas.microsoft.com/office/drawing/2014/main" id="{3509E980-8452-494E-8230-7C06A00A79CF}"/>
+                <a16:creationId xmlns:a16="http://schemas.microsoft.com/office/drawing/2014/main" id="{B96922F2-F2C3-0D4E-B089-6E2C47CA47FA}"/>
               </a:ext>
             </a:extLst>
           </p:cNvPr>
@@ -4234,14 +4480,49 @@
           <a:bodyPr/>
           <a:lstStyle/>
           <a:p>
-            <a:endParaRPr lang="en-US"/>
+            <a:r>
+              <a:rPr lang="en-US" dirty="0"/>
+              <a:t>One Hot Encoding ‘</a:t>
+            </a:r>
+            <a:r>
+              <a:rPr lang="en-US" dirty="0" err="1"/>
+              <a:t>artist_name</a:t>
+            </a:r>
+            <a:r>
+              <a:rPr lang="en-US" dirty="0"/>
+              <a:t>’ (~3.5K columns)</a:t>
+            </a:r>
+          </a:p>
+          <a:p>
+            <a:r>
+              <a:rPr lang="en-US" dirty="0"/>
+              <a:t>SMOTE</a:t>
+            </a:r>
+          </a:p>
+          <a:p>
+            <a:r>
+              <a:rPr lang="en-US" dirty="0"/>
+              <a:t>Hyperparameter tuning for RFC</a:t>
+            </a:r>
+          </a:p>
+          <a:p>
+            <a:r>
+              <a:rPr lang="en-US" dirty="0"/>
+              <a:t>Pipeline/pickling</a:t>
+            </a:r>
+          </a:p>
+          <a:p>
+            <a:r>
+              <a:rPr lang="en-US" dirty="0"/>
+              <a:t>Revised train/test split for live demo model</a:t>
+            </a:r>
           </a:p>
         </p:txBody>
       </p:sp>
     </p:spTree>
     <p:extLst>
       <p:ext uri="{BB962C8B-B14F-4D97-AF65-F5344CB8AC3E}">
-        <p14:creationId xmlns:p14="http://schemas.microsoft.com/office/powerpoint/2010/main" val="554667231"/>
+        <p14:creationId xmlns:p14="http://schemas.microsoft.com/office/powerpoint/2010/main" val="3097199825"/>
       </p:ext>
     </p:extLst>
   </p:cSld>
@@ -4273,7 +4554,7 @@
           <p:cNvPr id="2" name="Title 1">
             <a:extLst>
               <a:ext uri="{FF2B5EF4-FFF2-40B4-BE49-F238E27FC236}">
-                <a16:creationId xmlns:a16="http://schemas.microsoft.com/office/drawing/2014/main" id="{139DD158-2F32-7643-A8A1-41A2EE4E15FD}"/>
+                <a16:creationId xmlns:a16="http://schemas.microsoft.com/office/drawing/2014/main" id="{DBC24F95-9BB6-4545-B523-638FD2F0778B}"/>
               </a:ext>
             </a:extLst>
           </p:cNvPr>
@@ -4291,7 +4572,7 @@
           <a:p>
             <a:r>
               <a:rPr lang="en-US" dirty="0"/>
-              <a:t>Future Improvements</a:t>
+              <a:t>Live Demo!</a:t>
             </a:r>
           </a:p>
         </p:txBody>
@@ -4301,7 +4582,7 @@
           <p:cNvPr id="3" name="Content Placeholder 2">
             <a:extLst>
               <a:ext uri="{FF2B5EF4-FFF2-40B4-BE49-F238E27FC236}">
-                <a16:creationId xmlns:a16="http://schemas.microsoft.com/office/drawing/2014/main" id="{FF117A69-CA3F-EC49-8DF3-0EBC87BB5F1A}"/>
+                <a16:creationId xmlns:a16="http://schemas.microsoft.com/office/drawing/2014/main" id="{3509E980-8452-494E-8230-7C06A00A79CF}"/>
               </a:ext>
             </a:extLst>
           </p:cNvPr>
@@ -4317,14 +4598,14 @@
           <a:bodyPr/>
           <a:lstStyle/>
           <a:p>
-            <a:endParaRPr lang="en-US" dirty="0"/>
+            <a:endParaRPr lang="en-US"/>
           </a:p>
         </p:txBody>
       </p:sp>
     </p:spTree>
     <p:extLst>
       <p:ext uri="{BB962C8B-B14F-4D97-AF65-F5344CB8AC3E}">
-        <p14:creationId xmlns:p14="http://schemas.microsoft.com/office/powerpoint/2010/main" val="3303576012"/>
+        <p14:creationId xmlns:p14="http://schemas.microsoft.com/office/powerpoint/2010/main" val="554667231"/>
       </p:ext>
     </p:extLst>
   </p:cSld>

--- a/reports/song-classifier.pptx
+++ b/reports/song-classifier.pptx
@@ -113,6 +113,11 @@
       </a:defRPr>
     </a:lvl9pPr>
   </p:defaultTextStyle>
+  <p:extLst>
+    <p:ext uri="{EFAFB233-063F-42B5-8137-9DF3F51BA10A}">
+      <p15:sldGuideLst xmlns:p15="http://schemas.microsoft.com/office/powerpoint/2012/main"/>
+    </p:ext>
+  </p:extLst>
 </p:presentation>
 </file>
 
@@ -3492,6 +3497,12 @@
           <a:p>
             <a:r>
               <a:rPr lang="en-US" dirty="0"/>
+              <a:t>Larger data set</a:t>
+            </a:r>
+          </a:p>
+          <a:p>
+            <a:r>
+              <a:rPr lang="en-US" dirty="0"/>
               <a:t>More robust and streamlined approach for stripping the timbres</a:t>
             </a:r>
           </a:p>
@@ -3510,7 +3521,7 @@
           <a:p>
             <a:r>
               <a:rPr lang="en-US" dirty="0"/>
-              <a:t>Track the songs that the model was 'unsure' about</a:t>
+              <a:t>Track the songs that the model was 'unsure' about using prediction probabilities</a:t>
             </a:r>
           </a:p>
         </p:txBody>
@@ -4389,8 +4400,87 @@
           <a:bodyPr/>
           <a:lstStyle/>
           <a:p>
+            <a:pPr>
+              <a:buFontTx/>
+              <a:buChar char="-"/>
+            </a:pPr>
+            <a:r>
+              <a:rPr lang="en-US" dirty="0"/>
+              <a:t>No hyperparameter tuning</a:t>
+            </a:r>
+          </a:p>
+          <a:p>
+            <a:pPr>
+              <a:buFontTx/>
+              <a:buChar char="-"/>
+            </a:pPr>
+            <a:r>
+              <a:rPr lang="en-US" dirty="0"/>
+              <a:t>All genres</a:t>
+            </a:r>
+          </a:p>
+          <a:p>
+            <a:pPr>
+              <a:buFontTx/>
+              <a:buChar char="-"/>
+            </a:pPr>
+            <a:r>
+              <a:rPr lang="en-US" dirty="0"/>
+              <a:t>No artist name column</a:t>
+            </a:r>
+          </a:p>
+          <a:p>
+            <a:pPr>
+              <a:buFontTx/>
+              <a:buChar char="-"/>
+            </a:pPr>
+            <a:endParaRPr lang="en-US" dirty="0"/>
+          </a:p>
+          <a:p>
+            <a:pPr>
+              <a:buFontTx/>
+              <a:buChar char="-"/>
+            </a:pPr>
+            <a:r>
+              <a:rPr lang="en-US" dirty="0"/>
+              <a:t>Cross-validation scores:</a:t>
+            </a:r>
+          </a:p>
+          <a:p>
             <a:pPr marL="0" indent="0">
               <a:buNone/>
+            </a:pPr>
+            <a:r>
+              <a:rPr lang="en-US" dirty="0"/>
+              <a:t>	</a:t>
+            </a:r>
+            <a:r>
+              <a:rPr lang="en-US" sz="2400" dirty="0"/>
+              <a:t>[0.58791946, 0.56778523, 0.57818792, 0.56308725, 0.57449664]</a:t>
+            </a:r>
+            <a:br>
+              <a:rPr lang="en-US" sz="2400" dirty="0"/>
+            </a:br>
+            <a:endParaRPr lang="en-US" dirty="0"/>
+          </a:p>
+          <a:p>
+            <a:pPr lvl="1">
+              <a:buFontTx/>
+              <a:buChar char="-"/>
+            </a:pPr>
+            <a:endParaRPr lang="en-US" dirty="0"/>
+          </a:p>
+          <a:p>
+            <a:pPr>
+              <a:buFontTx/>
+              <a:buChar char="-"/>
+            </a:pPr>
+            <a:endParaRPr lang="en-US" dirty="0"/>
+          </a:p>
+          <a:p>
+            <a:pPr>
+              <a:buFontTx/>
+              <a:buChar char="-"/>
             </a:pPr>
             <a:endParaRPr lang="en-US" dirty="0"/>
           </a:p>
@@ -4475,7 +4565,12 @@
             <p:ph idx="1"/>
           </p:nvPr>
         </p:nvSpPr>
-        <p:spPr/>
+        <p:spPr>
+          <a:xfrm>
+            <a:off x="232562" y="1825625"/>
+            <a:ext cx="5574472" cy="4351338"/>
+          </a:xfrm>
+        </p:spPr>
         <p:txBody>
           <a:bodyPr/>
           <a:lstStyle/>
@@ -4502,7 +4597,7 @@
           <a:p>
             <a:r>
               <a:rPr lang="en-US" dirty="0"/>
-              <a:t>Hyperparameter tuning for RFC</a:t>
+              <a:t>Hyperparameter tuning for RFC (limited features)</a:t>
             </a:r>
           </a:p>
           <a:p>
@@ -4519,6 +4614,36 @@
           </a:p>
         </p:txBody>
       </p:sp>
+      <p:pic>
+        <p:nvPicPr>
+          <p:cNvPr id="5" name="Picture 4" descr="A screenshot of a cell phone&#10;&#10;Description automatically generated">
+            <a:extLst>
+              <a:ext uri="{FF2B5EF4-FFF2-40B4-BE49-F238E27FC236}">
+                <a16:creationId xmlns:a16="http://schemas.microsoft.com/office/drawing/2014/main" id="{6B49180C-E2C5-564F-86C6-5BC9DDAFCC33}"/>
+              </a:ext>
+            </a:extLst>
+          </p:cNvPr>
+          <p:cNvPicPr>
+            <a:picLocks noChangeAspect="1"/>
+          </p:cNvPicPr>
+          <p:nvPr/>
+        </p:nvPicPr>
+        <p:blipFill>
+          <a:blip r:embed="rId2"/>
+          <a:stretch>
+            <a:fillRect/>
+          </a:stretch>
+        </p:blipFill>
+        <p:spPr>
+          <a:xfrm>
+            <a:off x="5516995" y="1825625"/>
+            <a:ext cx="6311900" cy="3263900"/>
+          </a:xfrm>
+          <a:prstGeom prst="rect">
+            <a:avLst/>
+          </a:prstGeom>
+        </p:spPr>
+      </p:pic>
     </p:spTree>
     <p:extLst>
       <p:ext uri="{BB962C8B-B14F-4D97-AF65-F5344CB8AC3E}">
